--- a/Hospitalized/Hospitalized_SPANISH FINAL.pptx
+++ b/Hospitalized/Hospitalized_SPANISH FINAL.pptx
@@ -255,7 +255,7 @@
           <a:p>
             <a:fld id="{4F5A968B-4E26-4D02-9FB9-DF6E8F29BEFB}" type="datetimeFigureOut">
               <a:rPr lang="en-US" smtClean="0"/>
-              <a:t>4/6/2020</a:t>
+              <a:t>4/7/2020</a:t>
             </a:fld>
             <a:endParaRPr lang="en-US" dirty="0"/>
           </a:p>
@@ -425,7 +425,7 @@
           <a:p>
             <a:fld id="{4F5A968B-4E26-4D02-9FB9-DF6E8F29BEFB}" type="datetimeFigureOut">
               <a:rPr lang="en-US" smtClean="0"/>
-              <a:t>4/6/2020</a:t>
+              <a:t>4/7/2020</a:t>
             </a:fld>
             <a:endParaRPr lang="en-US" dirty="0"/>
           </a:p>
@@ -605,7 +605,7 @@
           <a:p>
             <a:fld id="{4F5A968B-4E26-4D02-9FB9-DF6E8F29BEFB}" type="datetimeFigureOut">
               <a:rPr lang="en-US" smtClean="0"/>
-              <a:t>4/6/2020</a:t>
+              <a:t>4/7/2020</a:t>
             </a:fld>
             <a:endParaRPr lang="en-US" dirty="0"/>
           </a:p>
@@ -775,7 +775,7 @@
           <a:p>
             <a:fld id="{4F5A968B-4E26-4D02-9FB9-DF6E8F29BEFB}" type="datetimeFigureOut">
               <a:rPr lang="en-US" smtClean="0"/>
-              <a:t>4/6/2020</a:t>
+              <a:t>4/7/2020</a:t>
             </a:fld>
             <a:endParaRPr lang="en-US" dirty="0"/>
           </a:p>
@@ -1019,7 +1019,7 @@
           <a:p>
             <a:fld id="{4F5A968B-4E26-4D02-9FB9-DF6E8F29BEFB}" type="datetimeFigureOut">
               <a:rPr lang="en-US" smtClean="0"/>
-              <a:t>4/6/2020</a:t>
+              <a:t>4/7/2020</a:t>
             </a:fld>
             <a:endParaRPr lang="en-US" dirty="0"/>
           </a:p>
@@ -1251,7 +1251,7 @@
           <a:p>
             <a:fld id="{4F5A968B-4E26-4D02-9FB9-DF6E8F29BEFB}" type="datetimeFigureOut">
               <a:rPr lang="en-US" smtClean="0"/>
-              <a:t>4/6/2020</a:t>
+              <a:t>4/7/2020</a:t>
             </a:fld>
             <a:endParaRPr lang="en-US" dirty="0"/>
           </a:p>
@@ -1618,7 +1618,7 @@
           <a:p>
             <a:fld id="{4F5A968B-4E26-4D02-9FB9-DF6E8F29BEFB}" type="datetimeFigureOut">
               <a:rPr lang="en-US" smtClean="0"/>
-              <a:t>4/6/2020</a:t>
+              <a:t>4/7/2020</a:t>
             </a:fld>
             <a:endParaRPr lang="en-US" dirty="0"/>
           </a:p>
@@ -1766,7 +1766,7 @@
           <a:p>
             <a:fld id="{4F5A968B-4E26-4D02-9FB9-DF6E8F29BEFB}" type="datetimeFigureOut">
               <a:rPr lang="en-US" smtClean="0"/>
-              <a:t>4/6/2020</a:t>
+              <a:t>4/7/2020</a:t>
             </a:fld>
             <a:endParaRPr lang="en-US" dirty="0"/>
           </a:p>
@@ -2043,7 +2043,7 @@
           <a:p>
             <a:fld id="{4F5A968B-4E26-4D02-9FB9-DF6E8F29BEFB}" type="datetimeFigureOut">
               <a:rPr lang="en-US" smtClean="0"/>
-              <a:t>4/6/2020</a:t>
+              <a:t>4/7/2020</a:t>
             </a:fld>
             <a:endParaRPr lang="en-US" dirty="0"/>
           </a:p>
@@ -2299,7 +2299,7 @@
           <a:p>
             <a:fld id="{4F5A968B-4E26-4D02-9FB9-DF6E8F29BEFB}" type="datetimeFigureOut">
               <a:rPr lang="en-US" smtClean="0"/>
-              <a:t>4/6/2020</a:t>
+              <a:t>4/7/2020</a:t>
             </a:fld>
             <a:endParaRPr lang="en-US" dirty="0"/>
           </a:p>
@@ -2512,7 +2512,7 @@
           <a:p>
             <a:fld id="{4F5A968B-4E26-4D02-9FB9-DF6E8F29BEFB}" type="datetimeFigureOut">
               <a:rPr lang="en-US" smtClean="0"/>
-              <a:t>4/6/2020</a:t>
+              <a:t>4/7/2020</a:t>
             </a:fld>
             <a:endParaRPr lang="en-US" dirty="0"/>
           </a:p>
@@ -3228,7 +3228,7 @@
         </p:nvSpPr>
         <p:spPr>
           <a:xfrm>
-            <a:off x="349001" y="7991147"/>
+            <a:off x="183758" y="7988718"/>
             <a:ext cx="6429716" cy="1715854"/>
           </a:xfrm>
           <a:prstGeom prst="rect">
@@ -3273,8 +3273,27 @@
                 <a:ea typeface="Gungsuh" panose="02030600000101010101" pitchFamily="18" charset="-127"/>
                 <a:cs typeface="Arial" panose="020B0604020202020204" pitchFamily="34" charset="0"/>
               </a:rPr>
-              <a:t> SUENA, ES SU EQUIPO MEDICO LLAMANDO. SI NECESITA ALGO, PRESIONE LA LUZ DE LA LLAMADA</a:t>
-            </a:r>
+              <a:t> SUENA, ES SU EQUIPO MEDICO LLAMANDO. SI NECESITA ALGO, </a:t>
+            </a:r>
+            <a:r>
+              <a:rPr lang="es-ES_tradnl" dirty="0" smtClean="0">
+                <a:solidFill>
+                  <a:srgbClr val="F60F4E"/>
+                </a:solidFill>
+                <a:latin typeface="Arial" panose="020B0604020202020204" pitchFamily="34" charset="0"/>
+                <a:ea typeface="Gungsuh" panose="02030600000101010101" pitchFamily="18" charset="-127"/>
+                <a:cs typeface="Arial" panose="020B0604020202020204" pitchFamily="34" charset="0"/>
+              </a:rPr>
+              <a:t>PRESIONE EL BOTON DE ASISTENCIA</a:t>
+            </a:r>
+            <a:endParaRPr lang="es-ES_tradnl" dirty="0">
+              <a:solidFill>
+                <a:srgbClr val="F60F4E"/>
+              </a:solidFill>
+              <a:latin typeface="Arial" panose="020B0604020202020204" pitchFamily="34" charset="0"/>
+              <a:ea typeface="Gungsuh" panose="02030600000101010101" pitchFamily="18" charset="-127"/>
+              <a:cs typeface="Arial" panose="020B0604020202020204" pitchFamily="34" charset="0"/>
+            </a:endParaRPr>
           </a:p>
           <a:p>
             <a:endParaRPr lang="es-ES_tradnl" sz="1050" dirty="0">
@@ -3339,7 +3358,27 @@
                 <a:latin typeface="Arial" panose="020B0604020202020204" pitchFamily="34" charset="0"/>
                 <a:cs typeface="Arial" panose="020B0604020202020204" pitchFamily="34" charset="0"/>
               </a:rPr>
-              <a:t>DIGALE A LA PERSONA QUE RESPONDA A LA LUZ EN EL TELEFONO LO QUE USTED NECESITA</a:t>
+              <a:t>DIGALE A LA PERSONA QUE RESPONDA A LA </a:t>
+            </a:r>
+            <a:r>
+              <a:rPr lang="es-ES_tradnl" sz="1000" dirty="0" smtClean="0">
+                <a:solidFill>
+                  <a:srgbClr val="07029D"/>
+                </a:solidFill>
+                <a:latin typeface="Arial" panose="020B0604020202020204" pitchFamily="34" charset="0"/>
+                <a:cs typeface="Arial" panose="020B0604020202020204" pitchFamily="34" charset="0"/>
+              </a:rPr>
+              <a:t>LLAMADA DE ASISTENCIA LO </a:t>
+            </a:r>
+            <a:r>
+              <a:rPr lang="es-ES_tradnl" sz="1000" dirty="0">
+                <a:solidFill>
+                  <a:srgbClr val="07029D"/>
+                </a:solidFill>
+                <a:latin typeface="Arial" panose="020B0604020202020204" pitchFamily="34" charset="0"/>
+                <a:cs typeface="Arial" panose="020B0604020202020204" pitchFamily="34" charset="0"/>
+              </a:rPr>
+              <a:t>QUE USTED NECESITA</a:t>
             </a:r>
           </a:p>
         </p:txBody>
@@ -4007,17 +4046,7 @@
                 <a:latin typeface="Times New Roman" panose="02020603050405020304" pitchFamily="18" charset="0"/>
                 <a:ea typeface="Times New Roman" panose="02020603050405020304" pitchFamily="18" charset="0"/>
               </a:rPr>
-              <a:t>Traducido </a:t>
-            </a:r>
-            <a:r>
-              <a:rPr lang="es-ES_tradnl" sz="1100" dirty="0" smtClean="0">
-                <a:solidFill>
-                  <a:srgbClr val="07029D"/>
-                </a:solidFill>
-                <a:latin typeface="Times New Roman" panose="02020603050405020304" pitchFamily="18" charset="0"/>
-                <a:ea typeface="Times New Roman" panose="02020603050405020304" pitchFamily="18" charset="0"/>
-              </a:rPr>
-              <a:t>por: @</a:t>
+              <a:t>Traducido por: @</a:t>
             </a:r>
             <a:r>
               <a:rPr lang="es-ES_tradnl" sz="1100" dirty="0" err="1" smtClean="0">
